--- a/Lectures/Lecture9-PracticalModeling-Hyperparameters.pptx
+++ b/Lectures/Lecture9-PracticalModeling-Hyperparameters.pptx
@@ -5,14 +5,16 @@
     <p:sldMasterId id="2147483648" r:id="rId1"/>
   </p:sldMasterIdLst>
   <p:notesMasterIdLst>
-    <p:notesMasterId r:id="rId7"/>
+    <p:notesMasterId r:id="rId9"/>
   </p:notesMasterIdLst>
   <p:sldIdLst>
     <p:sldId id="256" r:id="rId2"/>
     <p:sldId id="431" r:id="rId3"/>
-    <p:sldId id="432" r:id="rId4"/>
-    <p:sldId id="433" r:id="rId5"/>
-    <p:sldId id="434" r:id="rId6"/>
+    <p:sldId id="435" r:id="rId4"/>
+    <p:sldId id="432" r:id="rId5"/>
+    <p:sldId id="433" r:id="rId6"/>
+    <p:sldId id="434" r:id="rId7"/>
+    <p:sldId id="436" r:id="rId8"/>
   </p:sldIdLst>
   <p:sldSz cx="12192000" cy="6858000"/>
   <p:notesSz cx="6858000" cy="9144000"/>
@@ -3690,30 +3692,118 @@
           <a:bodyPr/>
           <a:lstStyle/>
           <a:p>
+            <a:pPr marL="114300" indent="0">
+              <a:buNone/>
+            </a:pPr>
             <a:r>
-              <a:rPr lang="en-US" b="1" dirty="0">
-                <a:solidFill>
-                  <a:srgbClr val="C00000"/>
+              <a:rPr lang="en-US" dirty="0">
+                <a:solidFill>
+                  <a:schemeClr val="tx1"/>
                 </a:solidFill>
               </a:rPr>
-              <a:t>Due Monday:</a:t>
+              <a:t>Thursday: Reading (</a:t>
+            </a:r>
+            <a:r>
+              <a:rPr lang="en-US" dirty="0" err="1">
+                <a:solidFill>
+                  <a:schemeClr val="tx1"/>
+                </a:solidFill>
+              </a:rPr>
+              <a:t>Transductive</a:t>
             </a:r>
             <a:r>
               <a:rPr lang="en-US" dirty="0">
                 <a:solidFill>
-                  <a:srgbClr val="C00000"/>
+                  <a:schemeClr val="tx1"/>
                 </a:solidFill>
               </a:rPr>
-              <a:t> </a:t>
+              <a:t> Top-k)</a:t>
             </a:r>
+          </a:p>
+          <a:p>
+            <a:pPr marL="114300" indent="0">
+              <a:buNone/>
+            </a:pPr>
+            <a:endParaRPr lang="en-US" dirty="0">
+              <a:solidFill>
+                <a:schemeClr val="tx1"/>
+              </a:solidFill>
+            </a:endParaRPr>
+          </a:p>
+          <a:p>
+            <a:pPr marL="114300" indent="0">
+              <a:buNone/>
+            </a:pPr>
             <a:r>
               <a:rPr lang="en-US" dirty="0">
                 <a:solidFill>
-                  <a:srgbClr val="C00000"/>
-                </a:solidFill>
-                <a:hlinkClick r:id="rId2"/>
+                  <a:schemeClr val="tx1"/>
+                </a:solidFill>
               </a:rPr>
-              <a:t>Features and Pipeline v0 assignment</a:t>
+              <a:t>Coming Up Next Week:</a:t>
+            </a:r>
+          </a:p>
+          <a:p>
+            <a:r>
+              <a:rPr lang="en-US" dirty="0">
+                <a:solidFill>
+                  <a:schemeClr val="tx1"/>
+                </a:solidFill>
+              </a:rPr>
+              <a:t>Monday: Modeling Results Update Assignment (we’ll post tonight)</a:t>
+            </a:r>
+          </a:p>
+          <a:p>
+            <a:r>
+              <a:rPr lang="en-US" dirty="0">
+                <a:solidFill>
+                  <a:schemeClr val="tx1"/>
+                </a:solidFill>
+              </a:rPr>
+              <a:t>Tuesday: Weekly Feedback Form and Readings</a:t>
+            </a:r>
+          </a:p>
+          <a:p>
+            <a:r>
+              <a:rPr lang="en-US" dirty="0">
+                <a:solidFill>
+                  <a:schemeClr val="tx1"/>
+                </a:solidFill>
+              </a:rPr>
+              <a:t>Midterm:</a:t>
+            </a:r>
+          </a:p>
+          <a:p>
+            <a:pPr lvl="1"/>
+            <a:r>
+              <a:rPr lang="en-US" sz="2200" dirty="0">
+                <a:solidFill>
+                  <a:schemeClr val="tx1"/>
+                </a:solidFill>
+              </a:rPr>
+              <a:t>Take Home</a:t>
+            </a:r>
+          </a:p>
+          <a:p>
+            <a:pPr lvl="1"/>
+            <a:r>
+              <a:rPr lang="en-US" sz="2200" dirty="0">
+                <a:solidFill>
+                  <a:schemeClr val="tx1"/>
+                </a:solidFill>
+              </a:rPr>
+              <a:t>No class on Thursday</a:t>
+            </a:r>
+          </a:p>
+          <a:p>
+            <a:pPr lvl="1"/>
+            <a:r>
+              <a:rPr lang="en-US" sz="2200" dirty="0">
+                <a:solidFill>
+                  <a:schemeClr val="tx1"/>
+                </a:solidFill>
+              </a:rPr>
+              <a:t>Due Friday (Canvas)</a:t>
             </a:r>
             <a:br>
               <a:rPr lang="en-US" dirty="0"/>
@@ -3773,6 +3863,120 @@
 </file>
 
 <file path=ppt/slides/slide3.xml><?xml version="1.0" encoding="utf-8"?>
+<p:sld xmlns:a="http://schemas.openxmlformats.org/drawingml/2006/main" xmlns:r="http://schemas.openxmlformats.org/officeDocument/2006/relationships" xmlns:p="http://schemas.openxmlformats.org/presentationml/2006/main">
+  <p:cSld>
+    <p:spTree>
+      <p:nvGrpSpPr>
+        <p:cNvPr id="1" name=""/>
+        <p:cNvGrpSpPr/>
+        <p:nvPr/>
+      </p:nvGrpSpPr>
+      <p:grpSpPr>
+        <a:xfrm>
+          <a:off x="0" y="0"/>
+          <a:ext cx="0" cy="0"/>
+          <a:chOff x="0" y="0"/>
+          <a:chExt cx="0" cy="0"/>
+        </a:xfrm>
+      </p:grpSpPr>
+      <p:sp>
+        <p:nvSpPr>
+          <p:cNvPr id="2" name="Content Placeholder 1"/>
+          <p:cNvSpPr>
+            <a:spLocks noGrp="1"/>
+          </p:cNvSpPr>
+          <p:nvPr>
+            <p:ph type="body" idx="1"/>
+          </p:nvPr>
+        </p:nvSpPr>
+        <p:spPr/>
+        <p:txBody>
+          <a:bodyPr/>
+          <a:lstStyle/>
+          <a:p>
+            <a:r>
+              <a:rPr lang="en-US" b="1" dirty="0">
+                <a:solidFill>
+                  <a:srgbClr val="C00000"/>
+                </a:solidFill>
+              </a:rPr>
+              <a:t>From Monday:</a:t>
+            </a:r>
+            <a:r>
+              <a:rPr lang="en-US" dirty="0">
+                <a:solidFill>
+                  <a:srgbClr val="C00000"/>
+                </a:solidFill>
+              </a:rPr>
+              <a:t> </a:t>
+            </a:r>
+            <a:r>
+              <a:rPr lang="en-US" dirty="0">
+                <a:solidFill>
+                  <a:srgbClr val="C00000"/>
+                </a:solidFill>
+                <a:hlinkClick r:id="rId2"/>
+              </a:rPr>
+              <a:t>Features and Pipeline v0 assignment</a:t>
+            </a:r>
+            <a:br>
+              <a:rPr lang="en-US" dirty="0"/>
+            </a:br>
+            <a:endParaRPr lang="en-US" dirty="0"/>
+          </a:p>
+          <a:p>
+            <a:pPr marL="114300" indent="0">
+              <a:buNone/>
+            </a:pPr>
+            <a:endParaRPr lang="en-US" dirty="0"/>
+          </a:p>
+        </p:txBody>
+      </p:sp>
+      <p:sp>
+        <p:nvSpPr>
+          <p:cNvPr id="3" name="Title 2"/>
+          <p:cNvSpPr>
+            <a:spLocks noGrp="1"/>
+          </p:cNvSpPr>
+          <p:nvPr>
+            <p:ph type="title"/>
+          </p:nvPr>
+        </p:nvSpPr>
+        <p:spPr>
+          <a:xfrm>
+            <a:off x="0" y="325028"/>
+            <a:ext cx="12192000" cy="1143000"/>
+          </a:xfrm>
+        </p:spPr>
+        <p:txBody>
+          <a:bodyPr/>
+          <a:lstStyle/>
+          <a:p>
+            <a:r>
+              <a:rPr lang="en-US" dirty="0">
+                <a:solidFill>
+                  <a:schemeClr val="bg1"/>
+                </a:solidFill>
+              </a:rPr>
+              <a:t>This Week’s Update Assignment</a:t>
+            </a:r>
+          </a:p>
+        </p:txBody>
+      </p:sp>
+    </p:spTree>
+    <p:extLst>
+      <p:ext uri="{BB962C8B-B14F-4D97-AF65-F5344CB8AC3E}">
+        <p14:creationId xmlns:p14="http://schemas.microsoft.com/office/powerpoint/2010/main" val="1060237887"/>
+      </p:ext>
+    </p:extLst>
+  </p:cSld>
+  <p:clrMapOvr>
+    <a:masterClrMapping/>
+  </p:clrMapOvr>
+</p:sld>
+</file>
+
+<file path=ppt/slides/slide4.xml><?xml version="1.0" encoding="utf-8"?>
 <p:sld xmlns:a="http://schemas.openxmlformats.org/drawingml/2006/main" xmlns:r="http://schemas.openxmlformats.org/officeDocument/2006/relationships" xmlns:p="http://schemas.openxmlformats.org/presentationml/2006/main">
   <p:cSld>
     <p:spTree>
@@ -3864,7 +4068,7 @@
 </p:sld>
 </file>
 
-<file path=ppt/slides/slide4.xml><?xml version="1.0" encoding="utf-8"?>
+<file path=ppt/slides/slide5.xml><?xml version="1.0" encoding="utf-8"?>
 <p:sld xmlns:a="http://schemas.openxmlformats.org/drawingml/2006/main" xmlns:r="http://schemas.openxmlformats.org/officeDocument/2006/relationships" xmlns:p="http://schemas.openxmlformats.org/presentationml/2006/main">
   <p:cSld>
     <p:spTree>
@@ -3947,7 +4151,7 @@
 </p:sld>
 </file>
 
-<file path=ppt/slides/slide5.xml><?xml version="1.0" encoding="utf-8"?>
+<file path=ppt/slides/slide6.xml><?xml version="1.0" encoding="utf-8"?>
 <p:sld xmlns:a="http://schemas.openxmlformats.org/drawingml/2006/main" xmlns:r="http://schemas.openxmlformats.org/officeDocument/2006/relationships" xmlns:p="http://schemas.openxmlformats.org/presentationml/2006/main">
   <p:cSld>
     <p:spTree>
@@ -4021,6 +4225,208 @@
     <p:extLst>
       <p:ext uri="{BB962C8B-B14F-4D97-AF65-F5344CB8AC3E}">
         <p14:creationId xmlns:p14="http://schemas.microsoft.com/office/powerpoint/2010/main" val="2345288947"/>
+      </p:ext>
+    </p:extLst>
+  </p:cSld>
+  <p:clrMapOvr>
+    <a:masterClrMapping/>
+  </p:clrMapOvr>
+</p:sld>
+</file>
+
+<file path=ppt/slides/slide7.xml><?xml version="1.0" encoding="utf-8"?>
+<p:sld xmlns:a="http://schemas.openxmlformats.org/drawingml/2006/main" xmlns:r="http://schemas.openxmlformats.org/officeDocument/2006/relationships" xmlns:p="http://schemas.openxmlformats.org/presentationml/2006/main">
+  <p:cSld>
+    <p:spTree>
+      <p:nvGrpSpPr>
+        <p:cNvPr id="1" name=""/>
+        <p:cNvGrpSpPr/>
+        <p:nvPr/>
+      </p:nvGrpSpPr>
+      <p:grpSpPr>
+        <a:xfrm>
+          <a:off x="0" y="0"/>
+          <a:ext cx="0" cy="0"/>
+          <a:chOff x="0" y="0"/>
+          <a:chExt cx="0" cy="0"/>
+        </a:xfrm>
+      </p:grpSpPr>
+      <p:sp>
+        <p:nvSpPr>
+          <p:cNvPr id="2" name="Content Placeholder 1"/>
+          <p:cNvSpPr>
+            <a:spLocks noGrp="1"/>
+          </p:cNvSpPr>
+          <p:nvPr>
+            <p:ph type="body" idx="1"/>
+          </p:nvPr>
+        </p:nvSpPr>
+        <p:spPr/>
+        <p:txBody>
+          <a:bodyPr/>
+          <a:lstStyle/>
+          <a:p>
+            <a:pPr marL="114300" indent="0">
+              <a:buNone/>
+            </a:pPr>
+            <a:r>
+              <a:rPr lang="en-US" dirty="0">
+                <a:solidFill>
+                  <a:schemeClr val="tx1"/>
+                </a:solidFill>
+              </a:rPr>
+              <a:t>Thursday: Reading (</a:t>
+            </a:r>
+            <a:r>
+              <a:rPr lang="en-US" dirty="0" err="1">
+                <a:solidFill>
+                  <a:schemeClr val="tx1"/>
+                </a:solidFill>
+              </a:rPr>
+              <a:t>Transductive</a:t>
+            </a:r>
+            <a:r>
+              <a:rPr lang="en-US" dirty="0">
+                <a:solidFill>
+                  <a:schemeClr val="tx1"/>
+                </a:solidFill>
+              </a:rPr>
+              <a:t> Top-k)</a:t>
+            </a:r>
+          </a:p>
+          <a:p>
+            <a:pPr marL="114300" indent="0">
+              <a:buNone/>
+            </a:pPr>
+            <a:endParaRPr lang="en-US" dirty="0">
+              <a:solidFill>
+                <a:schemeClr val="tx1"/>
+              </a:solidFill>
+            </a:endParaRPr>
+          </a:p>
+          <a:p>
+            <a:pPr marL="114300" indent="0">
+              <a:buNone/>
+            </a:pPr>
+            <a:r>
+              <a:rPr lang="en-US" dirty="0">
+                <a:solidFill>
+                  <a:schemeClr val="tx1"/>
+                </a:solidFill>
+              </a:rPr>
+              <a:t>Coming Up Next Week:</a:t>
+            </a:r>
+          </a:p>
+          <a:p>
+            <a:r>
+              <a:rPr lang="en-US" dirty="0">
+                <a:solidFill>
+                  <a:schemeClr val="tx1"/>
+                </a:solidFill>
+              </a:rPr>
+              <a:t>Monday: Modeling Results Update Assignment (we’ll post tonight)</a:t>
+            </a:r>
+          </a:p>
+          <a:p>
+            <a:r>
+              <a:rPr lang="en-US" dirty="0">
+                <a:solidFill>
+                  <a:schemeClr val="tx1"/>
+                </a:solidFill>
+              </a:rPr>
+              <a:t>Tuesday: Weekly Feedback Form and Readings</a:t>
+            </a:r>
+          </a:p>
+          <a:p>
+            <a:r>
+              <a:rPr lang="en-US" dirty="0">
+                <a:solidFill>
+                  <a:schemeClr val="tx1"/>
+                </a:solidFill>
+              </a:rPr>
+              <a:t>Midterm:</a:t>
+            </a:r>
+          </a:p>
+          <a:p>
+            <a:pPr lvl="1"/>
+            <a:r>
+              <a:rPr lang="en-US" sz="2200" dirty="0">
+                <a:solidFill>
+                  <a:schemeClr val="tx1"/>
+                </a:solidFill>
+              </a:rPr>
+              <a:t>Take Home</a:t>
+            </a:r>
+          </a:p>
+          <a:p>
+            <a:pPr lvl="1"/>
+            <a:r>
+              <a:rPr lang="en-US" sz="2200" dirty="0">
+                <a:solidFill>
+                  <a:schemeClr val="tx1"/>
+                </a:solidFill>
+              </a:rPr>
+              <a:t>No class on Thursday</a:t>
+            </a:r>
+          </a:p>
+          <a:p>
+            <a:pPr lvl="1"/>
+            <a:r>
+              <a:rPr lang="en-US" sz="2200" dirty="0">
+                <a:solidFill>
+                  <a:schemeClr val="tx1"/>
+                </a:solidFill>
+              </a:rPr>
+              <a:t>Due Friday (Canvas)</a:t>
+            </a:r>
+            <a:br>
+              <a:rPr lang="en-US" dirty="0"/>
+            </a:br>
+            <a:endParaRPr lang="en-US" dirty="0"/>
+          </a:p>
+          <a:p>
+            <a:pPr marL="114300" indent="0">
+              <a:buNone/>
+            </a:pPr>
+            <a:endParaRPr lang="en-US" dirty="0"/>
+          </a:p>
+        </p:txBody>
+      </p:sp>
+      <p:sp>
+        <p:nvSpPr>
+          <p:cNvPr id="3" name="Title 2"/>
+          <p:cNvSpPr>
+            <a:spLocks noGrp="1"/>
+          </p:cNvSpPr>
+          <p:nvPr>
+            <p:ph type="title"/>
+          </p:nvPr>
+        </p:nvSpPr>
+        <p:spPr>
+          <a:xfrm>
+            <a:off x="0" y="325028"/>
+            <a:ext cx="12192000" cy="1143000"/>
+          </a:xfrm>
+        </p:spPr>
+        <p:txBody>
+          <a:bodyPr/>
+          <a:lstStyle/>
+          <a:p>
+            <a:r>
+              <a:rPr lang="en-US" dirty="0">
+                <a:solidFill>
+                  <a:schemeClr val="bg1"/>
+                </a:solidFill>
+              </a:rPr>
+              <a:t>Things to remember</a:t>
+            </a:r>
+          </a:p>
+        </p:txBody>
+      </p:sp>
+    </p:spTree>
+    <p:extLst>
+      <p:ext uri="{BB962C8B-B14F-4D97-AF65-F5344CB8AC3E}">
+        <p14:creationId xmlns:p14="http://schemas.microsoft.com/office/powerpoint/2010/main" val="3904536010"/>
       </p:ext>
     </p:extLst>
   </p:cSld>

--- a/Lectures/Lecture9-PracticalModeling-Hyperparameters.pptx
+++ b/Lectures/Lecture9-PracticalModeling-Hyperparameters.pptx
@@ -5,16 +5,14 @@
     <p:sldMasterId id="2147483648" r:id="rId1"/>
   </p:sldMasterIdLst>
   <p:notesMasterIdLst>
-    <p:notesMasterId r:id="rId9"/>
+    <p:notesMasterId r:id="rId7"/>
   </p:notesMasterIdLst>
   <p:sldIdLst>
     <p:sldId id="256" r:id="rId2"/>
     <p:sldId id="431" r:id="rId3"/>
-    <p:sldId id="435" r:id="rId4"/>
-    <p:sldId id="432" r:id="rId5"/>
-    <p:sldId id="433" r:id="rId6"/>
-    <p:sldId id="434" r:id="rId7"/>
-    <p:sldId id="436" r:id="rId8"/>
+    <p:sldId id="433" r:id="rId4"/>
+    <p:sldId id="434" r:id="rId5"/>
+    <p:sldId id="436" r:id="rId6"/>
   </p:sldIdLst>
   <p:sldSz cx="12192000" cy="6858000"/>
   <p:notesSz cx="6858000" cy="9144000"/>
@@ -252,7 +250,7 @@
       <p15:sldGuideLst xmlns:p15="http://schemas.microsoft.com/office/powerpoint/2012/main"/>
     </p:ext>
     <p:ext uri="http://customooxmlschemas.google.com/">
-      <go:slidesCustomData xmlns="" xmlns:mc="http://schemas.openxmlformats.org/markup-compatibility/2006" xmlns:mv="urn:schemas-microsoft-com:mac:vml" xmlns:c="http://schemas.openxmlformats.org/drawingml/2006/chart" xmlns:dgm="http://schemas.openxmlformats.org/drawingml/2006/diagram" xmlns:o="urn:schemas-microsoft-com:office:office" xmlns:v="urn:schemas-microsoft-com:vml" xmlns:pvml="urn:schemas-microsoft-com:office:powerpoint" xmlns:com="http://schemas.openxmlformats.org/drawingml/2006/compatibility" xmlns:p14="http://schemas.microsoft.com/office/powerpoint/2010/main" xmlns:p15="http://schemas.microsoft.com/office/powerpoint/2012/main" xmlns:go="http://customooxmlschemas.google.com/" r:id="rId78" roundtripDataSignature="AMtx7mjFyVUGRZWio+dc9dxzYsimUxNJbg=="/>
+      <go:slidesCustomData xmlns:go="http://customooxmlschemas.google.com/" xmlns:p15="http://schemas.microsoft.com/office/powerpoint/2012/main" xmlns:p14="http://schemas.microsoft.com/office/powerpoint/2010/main" xmlns:com="http://schemas.openxmlformats.org/drawingml/2006/compatibility" xmlns:pvml="urn:schemas-microsoft-com:office:powerpoint" xmlns:v="urn:schemas-microsoft-com:vml" xmlns:o="urn:schemas-microsoft-com:office:office" xmlns:dgm="http://schemas.openxmlformats.org/drawingml/2006/diagram" xmlns:c="http://schemas.openxmlformats.org/drawingml/2006/chart" xmlns:mv="urn:schemas-microsoft-com:mac:vml" xmlns:mc="http://schemas.openxmlformats.org/markup-compatibility/2006" xmlns="" r:id="rId78" roundtripDataSignature="AMtx7mjFyVUGRZWio+dc9dxzYsimUxNJbg=="/>
     </p:ext>
   </p:extLst>
 </p:presentation>
@@ -3701,23 +3699,7 @@
                   <a:schemeClr val="tx1"/>
                 </a:solidFill>
               </a:rPr>
-              <a:t>Thursday: Reading (</a:t>
-            </a:r>
-            <a:r>
-              <a:rPr lang="en-US" dirty="0" err="1">
-                <a:solidFill>
-                  <a:schemeClr val="tx1"/>
-                </a:solidFill>
-              </a:rPr>
-              <a:t>Transductive</a:t>
-            </a:r>
-            <a:r>
-              <a:rPr lang="en-US" dirty="0">
-                <a:solidFill>
-                  <a:schemeClr val="tx1"/>
-                </a:solidFill>
-              </a:rPr>
-              <a:t> Top-k)</a:t>
+              <a:t>Tuesday: Temporal Model Selection</a:t>
             </a:r>
           </a:p>
           <a:p>
@@ -3749,9 +3731,15 @@
                 <a:solidFill>
                   <a:schemeClr val="tx1"/>
                 </a:solidFill>
+                <a:hlinkClick r:id="rId2"/>
               </a:rPr>
-              <a:t>Monday: Modeling Results Update Assignment (we’ll post tonight)</a:t>
+              <a:t>Monday: Modeling Results Update Assignment </a:t>
             </a:r>
+            <a:endParaRPr lang="en-US" dirty="0">
+              <a:solidFill>
+                <a:schemeClr val="tx1"/>
+              </a:solidFill>
+            </a:endParaRPr>
           </a:p>
           <a:p>
             <a:r>
@@ -3762,53 +3750,6 @@
               </a:rPr>
               <a:t>Tuesday: Weekly Feedback Form and Readings</a:t>
             </a:r>
-          </a:p>
-          <a:p>
-            <a:r>
-              <a:rPr lang="en-US" dirty="0">
-                <a:solidFill>
-                  <a:schemeClr val="tx1"/>
-                </a:solidFill>
-              </a:rPr>
-              <a:t>Midterm:</a:t>
-            </a:r>
-          </a:p>
-          <a:p>
-            <a:pPr lvl="1"/>
-            <a:r>
-              <a:rPr lang="en-US" sz="2200" dirty="0">
-                <a:solidFill>
-                  <a:schemeClr val="tx1"/>
-                </a:solidFill>
-              </a:rPr>
-              <a:t>Take Home</a:t>
-            </a:r>
-          </a:p>
-          <a:p>
-            <a:pPr lvl="1"/>
-            <a:r>
-              <a:rPr lang="en-US" sz="2200" dirty="0">
-                <a:solidFill>
-                  <a:schemeClr val="tx1"/>
-                </a:solidFill>
-              </a:rPr>
-              <a:t>No class on Thursday</a:t>
-            </a:r>
-          </a:p>
-          <a:p>
-            <a:pPr lvl="1"/>
-            <a:r>
-              <a:rPr lang="en-US" sz="2200" dirty="0">
-                <a:solidFill>
-                  <a:schemeClr val="tx1"/>
-                </a:solidFill>
-              </a:rPr>
-              <a:t>Due Friday (Canvas)</a:t>
-            </a:r>
-            <a:br>
-              <a:rPr lang="en-US" dirty="0"/>
-            </a:br>
-            <a:endParaRPr lang="en-US" dirty="0"/>
           </a:p>
           <a:p>
             <a:pPr marL="114300" indent="0">
@@ -3863,212 +3804,6 @@
 </file>
 
 <file path=ppt/slides/slide3.xml><?xml version="1.0" encoding="utf-8"?>
-<p:sld xmlns:a="http://schemas.openxmlformats.org/drawingml/2006/main" xmlns:r="http://schemas.openxmlformats.org/officeDocument/2006/relationships" xmlns:p="http://schemas.openxmlformats.org/presentationml/2006/main">
-  <p:cSld>
-    <p:spTree>
-      <p:nvGrpSpPr>
-        <p:cNvPr id="1" name=""/>
-        <p:cNvGrpSpPr/>
-        <p:nvPr/>
-      </p:nvGrpSpPr>
-      <p:grpSpPr>
-        <a:xfrm>
-          <a:off x="0" y="0"/>
-          <a:ext cx="0" cy="0"/>
-          <a:chOff x="0" y="0"/>
-          <a:chExt cx="0" cy="0"/>
-        </a:xfrm>
-      </p:grpSpPr>
-      <p:sp>
-        <p:nvSpPr>
-          <p:cNvPr id="2" name="Content Placeholder 1"/>
-          <p:cNvSpPr>
-            <a:spLocks noGrp="1"/>
-          </p:cNvSpPr>
-          <p:nvPr>
-            <p:ph type="body" idx="1"/>
-          </p:nvPr>
-        </p:nvSpPr>
-        <p:spPr/>
-        <p:txBody>
-          <a:bodyPr/>
-          <a:lstStyle/>
-          <a:p>
-            <a:r>
-              <a:rPr lang="en-US" b="1" dirty="0">
-                <a:solidFill>
-                  <a:srgbClr val="C00000"/>
-                </a:solidFill>
-              </a:rPr>
-              <a:t>From Monday:</a:t>
-            </a:r>
-            <a:r>
-              <a:rPr lang="en-US" dirty="0">
-                <a:solidFill>
-                  <a:srgbClr val="C00000"/>
-                </a:solidFill>
-              </a:rPr>
-              <a:t> </a:t>
-            </a:r>
-            <a:r>
-              <a:rPr lang="en-US" dirty="0">
-                <a:solidFill>
-                  <a:srgbClr val="C00000"/>
-                </a:solidFill>
-                <a:hlinkClick r:id="rId2"/>
-              </a:rPr>
-              <a:t>Features and Pipeline v0 assignment</a:t>
-            </a:r>
-            <a:br>
-              <a:rPr lang="en-US" dirty="0"/>
-            </a:br>
-            <a:endParaRPr lang="en-US" dirty="0"/>
-          </a:p>
-          <a:p>
-            <a:pPr marL="114300" indent="0">
-              <a:buNone/>
-            </a:pPr>
-            <a:endParaRPr lang="en-US" dirty="0"/>
-          </a:p>
-        </p:txBody>
-      </p:sp>
-      <p:sp>
-        <p:nvSpPr>
-          <p:cNvPr id="3" name="Title 2"/>
-          <p:cNvSpPr>
-            <a:spLocks noGrp="1"/>
-          </p:cNvSpPr>
-          <p:nvPr>
-            <p:ph type="title"/>
-          </p:nvPr>
-        </p:nvSpPr>
-        <p:spPr>
-          <a:xfrm>
-            <a:off x="0" y="325028"/>
-            <a:ext cx="12192000" cy="1143000"/>
-          </a:xfrm>
-        </p:spPr>
-        <p:txBody>
-          <a:bodyPr/>
-          <a:lstStyle/>
-          <a:p>
-            <a:r>
-              <a:rPr lang="en-US" dirty="0">
-                <a:solidFill>
-                  <a:schemeClr val="bg1"/>
-                </a:solidFill>
-              </a:rPr>
-              <a:t>This Week’s Update Assignment</a:t>
-            </a:r>
-          </a:p>
-        </p:txBody>
-      </p:sp>
-    </p:spTree>
-    <p:extLst>
-      <p:ext uri="{BB962C8B-B14F-4D97-AF65-F5344CB8AC3E}">
-        <p14:creationId xmlns:p14="http://schemas.microsoft.com/office/powerpoint/2010/main" val="1060237887"/>
-      </p:ext>
-    </p:extLst>
-  </p:cSld>
-  <p:clrMapOvr>
-    <a:masterClrMapping/>
-  </p:clrMapOvr>
-</p:sld>
-</file>
-
-<file path=ppt/slides/slide4.xml><?xml version="1.0" encoding="utf-8"?>
-<p:sld xmlns:a="http://schemas.openxmlformats.org/drawingml/2006/main" xmlns:r="http://schemas.openxmlformats.org/officeDocument/2006/relationships" xmlns:p="http://schemas.openxmlformats.org/presentationml/2006/main">
-  <p:cSld>
-    <p:spTree>
-      <p:nvGrpSpPr>
-        <p:cNvPr id="1" name=""/>
-        <p:cNvGrpSpPr/>
-        <p:nvPr/>
-      </p:nvGrpSpPr>
-      <p:grpSpPr>
-        <a:xfrm>
-          <a:off x="0" y="0"/>
-          <a:ext cx="0" cy="0"/>
-          <a:chOff x="0" y="0"/>
-          <a:chExt cx="0" cy="0"/>
-        </a:xfrm>
-      </p:grpSpPr>
-      <p:sp>
-        <p:nvSpPr>
-          <p:cNvPr id="2" name="Text Placeholder 1">
-            <a:extLst>
-              <a:ext uri="{FF2B5EF4-FFF2-40B4-BE49-F238E27FC236}">
-                <a16:creationId xmlns:a16="http://schemas.microsoft.com/office/drawing/2014/main" id="{D6FC9BE6-561F-5649-B6E7-649C8A7EEA36}"/>
-              </a:ext>
-            </a:extLst>
-          </p:cNvPr>
-          <p:cNvSpPr>
-            <a:spLocks noGrp="1"/>
-          </p:cNvSpPr>
-          <p:nvPr>
-            <p:ph type="body" idx="1"/>
-          </p:nvPr>
-        </p:nvSpPr>
-        <p:spPr/>
-        <p:txBody>
-          <a:bodyPr/>
-          <a:lstStyle/>
-          <a:p>
-            <a:r>
-              <a:rPr lang="en-US" dirty="0"/>
-              <a:t>Config file</a:t>
-            </a:r>
-          </a:p>
-          <a:p>
-            <a:r>
-              <a:rPr lang="en-US" dirty="0"/>
-              <a:t>Results schema</a:t>
-            </a:r>
-          </a:p>
-        </p:txBody>
-      </p:sp>
-      <p:sp>
-        <p:nvSpPr>
-          <p:cNvPr id="3" name="Title 2">
-            <a:extLst>
-              <a:ext uri="{FF2B5EF4-FFF2-40B4-BE49-F238E27FC236}">
-                <a16:creationId xmlns:a16="http://schemas.microsoft.com/office/drawing/2014/main" id="{0C02DBD5-1096-7F42-AB75-898A2A093BC9}"/>
-              </a:ext>
-            </a:extLst>
-          </p:cNvPr>
-          <p:cNvSpPr>
-            <a:spLocks noGrp="1"/>
-          </p:cNvSpPr>
-          <p:nvPr>
-            <p:ph type="title"/>
-          </p:nvPr>
-        </p:nvSpPr>
-        <p:spPr/>
-        <p:txBody>
-          <a:bodyPr/>
-          <a:lstStyle/>
-          <a:p>
-            <a:r>
-              <a:rPr lang="en-US" dirty="0"/>
-              <a:t>Finishing up Pipelines Discussion</a:t>
-            </a:r>
-          </a:p>
-        </p:txBody>
-      </p:sp>
-    </p:spTree>
-    <p:extLst>
-      <p:ext uri="{BB962C8B-B14F-4D97-AF65-F5344CB8AC3E}">
-        <p14:creationId xmlns:p14="http://schemas.microsoft.com/office/powerpoint/2010/main" val="2676624497"/>
-      </p:ext>
-    </p:extLst>
-  </p:cSld>
-  <p:clrMapOvr>
-    <a:masterClrMapping/>
-  </p:clrMapOvr>
-</p:sld>
-</file>
-
-<file path=ppt/slides/slide5.xml><?xml version="1.0" encoding="utf-8"?>
 <p:sld xmlns:a="http://schemas.openxmlformats.org/drawingml/2006/main" xmlns:r="http://schemas.openxmlformats.org/officeDocument/2006/relationships" xmlns:p="http://schemas.openxmlformats.org/presentationml/2006/main">
   <p:cSld>
     <p:spTree>
@@ -4151,7 +3886,7 @@
 </p:sld>
 </file>
 
-<file path=ppt/slides/slide6.xml><?xml version="1.0" encoding="utf-8"?>
+<file path=ppt/slides/slide4.xml><?xml version="1.0" encoding="utf-8"?>
 <p:sld xmlns:a="http://schemas.openxmlformats.org/drawingml/2006/main" xmlns:r="http://schemas.openxmlformats.org/officeDocument/2006/relationships" xmlns:p="http://schemas.openxmlformats.org/presentationml/2006/main">
   <p:cSld>
     <p:spTree>
@@ -4234,7 +3969,7 @@
 </p:sld>
 </file>
 
-<file path=ppt/slides/slide7.xml><?xml version="1.0" encoding="utf-8"?>
+<file path=ppt/slides/slide5.xml><?xml version="1.0" encoding="utf-8"?>
 <p:sld xmlns:a="http://schemas.openxmlformats.org/drawingml/2006/main" xmlns:r="http://schemas.openxmlformats.org/officeDocument/2006/relationships" xmlns:p="http://schemas.openxmlformats.org/presentationml/2006/main">
   <p:cSld>
     <p:spTree>
@@ -4275,23 +4010,7 @@
                   <a:schemeClr val="tx1"/>
                 </a:solidFill>
               </a:rPr>
-              <a:t>Thursday: Reading (</a:t>
-            </a:r>
-            <a:r>
-              <a:rPr lang="en-US" dirty="0" err="1">
-                <a:solidFill>
-                  <a:schemeClr val="tx1"/>
-                </a:solidFill>
-              </a:rPr>
-              <a:t>Transductive</a:t>
-            </a:r>
-            <a:r>
-              <a:rPr lang="en-US" dirty="0">
-                <a:solidFill>
-                  <a:schemeClr val="tx1"/>
-                </a:solidFill>
-              </a:rPr>
-              <a:t> Top-k)</a:t>
+              <a:t>Tuesday: Temporal Model Selection </a:t>
             </a:r>
           </a:p>
           <a:p>
@@ -4323,9 +4042,15 @@
                 <a:solidFill>
                   <a:schemeClr val="tx1"/>
                 </a:solidFill>
+                <a:hlinkClick r:id="rId2"/>
               </a:rPr>
-              <a:t>Monday: Modeling Results Update Assignment (we’ll post tonight)</a:t>
+              <a:t>Monday: Modeling Results Update Assignment </a:t>
             </a:r>
+            <a:endParaRPr lang="en-US" dirty="0">
+              <a:solidFill>
+                <a:schemeClr val="tx1"/>
+              </a:solidFill>
+            </a:endParaRPr>
           </a:p>
           <a:p>
             <a:r>
@@ -4338,47 +4063,9 @@
             </a:r>
           </a:p>
           <a:p>
-            <a:r>
-              <a:rPr lang="en-US" dirty="0">
-                <a:solidFill>
-                  <a:schemeClr val="tx1"/>
-                </a:solidFill>
-              </a:rPr>
-              <a:t>Midterm:</a:t>
-            </a:r>
-          </a:p>
-          <a:p>
-            <a:pPr lvl="1"/>
-            <a:r>
-              <a:rPr lang="en-US" sz="2200" dirty="0">
-                <a:solidFill>
-                  <a:schemeClr val="tx1"/>
-                </a:solidFill>
-              </a:rPr>
-              <a:t>Take Home</a:t>
-            </a:r>
-          </a:p>
-          <a:p>
-            <a:pPr lvl="1"/>
-            <a:r>
-              <a:rPr lang="en-US" sz="2200" dirty="0">
-                <a:solidFill>
-                  <a:schemeClr val="tx1"/>
-                </a:solidFill>
-              </a:rPr>
-              <a:t>No class on Thursday</a:t>
-            </a:r>
-          </a:p>
-          <a:p>
-            <a:pPr lvl="1"/>
-            <a:r>
-              <a:rPr lang="en-US" sz="2200" dirty="0">
-                <a:solidFill>
-                  <a:schemeClr val="tx1"/>
-                </a:solidFill>
-              </a:rPr>
-              <a:t>Due Friday (Canvas)</a:t>
-            </a:r>
+            <a:pPr marL="114300" indent="0">
+              <a:buNone/>
+            </a:pPr>
             <a:br>
               <a:rPr lang="en-US" dirty="0"/>
             </a:br>

--- a/Lectures/Lecture9-PracticalModeling-Hyperparameters.pptx
+++ b/Lectures/Lecture9-PracticalModeling-Hyperparameters.pptx
@@ -5,14 +5,15 @@
     <p:sldMasterId id="2147483648" r:id="rId1"/>
   </p:sldMasterIdLst>
   <p:notesMasterIdLst>
-    <p:notesMasterId r:id="rId7"/>
+    <p:notesMasterId r:id="rId8"/>
   </p:notesMasterIdLst>
   <p:sldIdLst>
     <p:sldId id="256" r:id="rId2"/>
     <p:sldId id="431" r:id="rId3"/>
     <p:sldId id="433" r:id="rId4"/>
     <p:sldId id="434" r:id="rId5"/>
-    <p:sldId id="436" r:id="rId6"/>
+    <p:sldId id="437" r:id="rId6"/>
+    <p:sldId id="436" r:id="rId7"/>
   </p:sldIdLst>
   <p:sldSz cx="12192000" cy="6858000"/>
   <p:notesSz cx="6858000" cy="9144000"/>
@@ -3640,13 +3641,8 @@
           <a:p>
             <a:r>
               <a:rPr lang="en-US" dirty="0"/>
-              <a:t>Rayid Ghani and Kit </a:t>
+              <a:t>Rayid Ghani</a:t>
             </a:r>
-            <a:r>
-              <a:rPr lang="en-US" dirty="0" err="1"/>
-              <a:t>Rodolfa</a:t>
-            </a:r>
-            <a:endParaRPr lang="en-US" dirty="0"/>
           </a:p>
         </p:txBody>
       </p:sp>
@@ -3694,12 +3690,20 @@
               <a:buNone/>
             </a:pPr>
             <a:r>
+              <a:rPr lang="en-US">
+                <a:solidFill>
+                  <a:schemeClr val="tx1"/>
+                </a:solidFill>
+              </a:rPr>
+              <a:t>Thursday</a:t>
+            </a:r>
+            <a:r>
               <a:rPr lang="en-US" dirty="0">
                 <a:solidFill>
                   <a:schemeClr val="tx1"/>
                 </a:solidFill>
               </a:rPr>
-              <a:t>Tuesday: Temporal Model Selection</a:t>
+              <a:t>: Temporal Model Selection</a:t>
             </a:r>
           </a:p>
           <a:p>
@@ -3988,6 +3992,135 @@
       </p:grpSpPr>
       <p:sp>
         <p:nvSpPr>
+          <p:cNvPr id="2" name="Text Placeholder 1">
+            <a:extLst>
+              <a:ext uri="{FF2B5EF4-FFF2-40B4-BE49-F238E27FC236}">
+                <a16:creationId xmlns:a16="http://schemas.microsoft.com/office/drawing/2014/main" id="{1697F7C7-AE6B-27C5-FA1D-B8A3DB8A77A3}"/>
+              </a:ext>
+            </a:extLst>
+          </p:cNvPr>
+          <p:cNvSpPr>
+            <a:spLocks noGrp="1"/>
+          </p:cNvSpPr>
+          <p:nvPr>
+            <p:ph type="body" idx="1"/>
+          </p:nvPr>
+        </p:nvSpPr>
+        <p:spPr/>
+        <p:txBody>
+          <a:bodyPr/>
+          <a:lstStyle/>
+          <a:p>
+            <a:r>
+              <a:rPr lang="en-US" dirty="0" err="1"/>
+              <a:t>Bruteforce</a:t>
+            </a:r>
+            <a:endParaRPr lang="en-US" dirty="0"/>
+          </a:p>
+          <a:p>
+            <a:r>
+              <a:rPr lang="en-US" dirty="0"/>
+              <a:t>Native </a:t>
+            </a:r>
+            <a:r>
+              <a:rPr lang="en-US" dirty="0" err="1"/>
+              <a:t>gridsearch</a:t>
+            </a:r>
+            <a:r>
+              <a:rPr lang="en-US" dirty="0"/>
+              <a:t> in </a:t>
+            </a:r>
+            <a:r>
+              <a:rPr lang="en-US" dirty="0" err="1"/>
+              <a:t>sklearn</a:t>
+            </a:r>
+            <a:endParaRPr lang="en-US" dirty="0"/>
+          </a:p>
+          <a:p>
+            <a:r>
+              <a:rPr lang="en-US" dirty="0" err="1"/>
+              <a:t>Optuna</a:t>
+            </a:r>
+            <a:r>
+              <a:rPr lang="en-US" dirty="0"/>
+              <a:t>, </a:t>
+            </a:r>
+            <a:r>
+              <a:rPr lang="en-US" dirty="0" err="1"/>
+              <a:t>hyperopt</a:t>
+            </a:r>
+            <a:r>
+              <a:rPr lang="en-US"/>
+              <a:t>, …</a:t>
+            </a:r>
+          </a:p>
+        </p:txBody>
+      </p:sp>
+      <p:sp>
+        <p:nvSpPr>
+          <p:cNvPr id="3" name="Title 2">
+            <a:extLst>
+              <a:ext uri="{FF2B5EF4-FFF2-40B4-BE49-F238E27FC236}">
+                <a16:creationId xmlns:a16="http://schemas.microsoft.com/office/drawing/2014/main" id="{5A97ED3C-28DF-5F98-7E13-6F7F1C9605F2}"/>
+              </a:ext>
+            </a:extLst>
+          </p:cNvPr>
+          <p:cNvSpPr>
+            <a:spLocks noGrp="1"/>
+          </p:cNvSpPr>
+          <p:nvPr>
+            <p:ph type="title"/>
+          </p:nvPr>
+        </p:nvSpPr>
+        <p:spPr/>
+        <p:txBody>
+          <a:bodyPr/>
+          <a:lstStyle/>
+          <a:p>
+            <a:r>
+              <a:rPr lang="en-US" dirty="0"/>
+              <a:t>How to do </a:t>
+            </a:r>
+            <a:r>
+              <a:rPr lang="en-US" dirty="0" err="1"/>
+              <a:t>gridsearch</a:t>
+            </a:r>
+            <a:endParaRPr lang="en-US" dirty="0"/>
+          </a:p>
+        </p:txBody>
+      </p:sp>
+    </p:spTree>
+    <p:extLst>
+      <p:ext uri="{BB962C8B-B14F-4D97-AF65-F5344CB8AC3E}">
+        <p14:creationId xmlns:p14="http://schemas.microsoft.com/office/powerpoint/2010/main" val="2305647483"/>
+      </p:ext>
+    </p:extLst>
+  </p:cSld>
+  <p:clrMapOvr>
+    <a:masterClrMapping/>
+  </p:clrMapOvr>
+</p:sld>
+</file>
+
+<file path=ppt/slides/slide6.xml><?xml version="1.0" encoding="utf-8"?>
+<p:sld xmlns:a="http://schemas.openxmlformats.org/drawingml/2006/main" xmlns:r="http://schemas.openxmlformats.org/officeDocument/2006/relationships" xmlns:p="http://schemas.openxmlformats.org/presentationml/2006/main">
+  <p:cSld>
+    <p:spTree>
+      <p:nvGrpSpPr>
+        <p:cNvPr id="1" name=""/>
+        <p:cNvGrpSpPr/>
+        <p:nvPr/>
+      </p:nvGrpSpPr>
+      <p:grpSpPr>
+        <a:xfrm>
+          <a:off x="0" y="0"/>
+          <a:ext cx="0" cy="0"/>
+          <a:chOff x="0" y="0"/>
+          <a:chExt cx="0" cy="0"/>
+        </a:xfrm>
+      </p:grpSpPr>
+      <p:sp>
+        <p:nvSpPr>
           <p:cNvPr id="2" name="Content Placeholder 1"/>
           <p:cNvSpPr>
             <a:spLocks noGrp="1"/>
@@ -4010,7 +4143,7 @@
                   <a:schemeClr val="tx1"/>
                 </a:solidFill>
               </a:rPr>
-              <a:t>Tuesday: Temporal Model Selection </a:t>
+              <a:t>Thursday: Temporal Model Selection </a:t>
             </a:r>
           </a:p>
           <a:p>

--- a/Lectures/Lecture9-PracticalModeling-Hyperparameters.pptx
+++ b/Lectures/Lecture9-PracticalModeling-Hyperparameters.pptx
@@ -4050,7 +4050,7 @@
               <a:t>hyperopt</a:t>
             </a:r>
             <a:r>
-              <a:rPr lang="en-US"/>
+              <a:rPr lang="en-US" dirty="0"/>
               <a:t>, …</a:t>
             </a:r>
           </a:p>
